--- a/presentations/java_core.pptx
+++ b/presentations/java_core.pptx
@@ -5,7 +5,7 @@
     <p:sldMasterId id="2147483648" r:id="rId1"/>
   </p:sldMasterIdLst>
   <p:notesMasterIdLst>
-    <p:notesMasterId r:id="rId34"/>
+    <p:notesMasterId r:id="rId31"/>
   </p:notesMasterIdLst>
   <p:sldIdLst>
     <p:sldId id="256" r:id="rId2"/>
@@ -37,9 +37,6 @@
     <p:sldId id="280" r:id="rId28"/>
     <p:sldId id="281" r:id="rId29"/>
     <p:sldId id="275" r:id="rId30"/>
-    <p:sldId id="284" r:id="rId31"/>
-    <p:sldId id="285" r:id="rId32"/>
-    <p:sldId id="286" r:id="rId33"/>
   </p:sldIdLst>
   <p:sldSz cx="12192000" cy="6858000"/>
   <p:notesSz cx="6858000" cy="9144000"/>
@@ -228,7 +225,7 @@
           <a:p>
             <a:fld id="{981D0B7E-8492-4F84-9876-47796BAA4F7A}" type="datetimeFigureOut">
               <a:rPr lang="en-US" smtClean="0"/>
-              <a:t>12/2/2015</a:t>
+              <a:t>12/13/2015</a:t>
             </a:fld>
             <a:endParaRPr lang="en-US"/>
           </a:p>
@@ -879,7 +876,7 @@
           <a:p>
             <a:fld id="{4CF8387C-D209-4F33-9DBD-ECF527C44A24}" type="datetimeFigureOut">
               <a:rPr lang="en-US" smtClean="0"/>
-              <a:t>12/2/2015</a:t>
+              <a:t>12/13/2015</a:t>
             </a:fld>
             <a:endParaRPr lang="en-US"/>
           </a:p>
@@ -1049,7 +1046,7 @@
           <a:p>
             <a:fld id="{4CF8387C-D209-4F33-9DBD-ECF527C44A24}" type="datetimeFigureOut">
               <a:rPr lang="en-US" smtClean="0"/>
-              <a:t>12/2/2015</a:t>
+              <a:t>12/13/2015</a:t>
             </a:fld>
             <a:endParaRPr lang="en-US"/>
           </a:p>
@@ -1229,7 +1226,7 @@
           <a:p>
             <a:fld id="{4CF8387C-D209-4F33-9DBD-ECF527C44A24}" type="datetimeFigureOut">
               <a:rPr lang="en-US" smtClean="0"/>
-              <a:t>12/2/2015</a:t>
+              <a:t>12/13/2015</a:t>
             </a:fld>
             <a:endParaRPr lang="en-US"/>
           </a:p>
@@ -1399,7 +1396,7 @@
           <a:p>
             <a:fld id="{4CF8387C-D209-4F33-9DBD-ECF527C44A24}" type="datetimeFigureOut">
               <a:rPr lang="en-US" smtClean="0"/>
-              <a:t>12/2/2015</a:t>
+              <a:t>12/13/2015</a:t>
             </a:fld>
             <a:endParaRPr lang="en-US"/>
           </a:p>
@@ -1645,7 +1642,7 @@
           <a:p>
             <a:fld id="{4CF8387C-D209-4F33-9DBD-ECF527C44A24}" type="datetimeFigureOut">
               <a:rPr lang="en-US" smtClean="0"/>
-              <a:t>12/2/2015</a:t>
+              <a:t>12/13/2015</a:t>
             </a:fld>
             <a:endParaRPr lang="en-US"/>
           </a:p>
@@ -1877,7 +1874,7 @@
           <a:p>
             <a:fld id="{4CF8387C-D209-4F33-9DBD-ECF527C44A24}" type="datetimeFigureOut">
               <a:rPr lang="en-US" smtClean="0"/>
-              <a:t>12/2/2015</a:t>
+              <a:t>12/13/2015</a:t>
             </a:fld>
             <a:endParaRPr lang="en-US"/>
           </a:p>
@@ -2244,7 +2241,7 @@
           <a:p>
             <a:fld id="{4CF8387C-D209-4F33-9DBD-ECF527C44A24}" type="datetimeFigureOut">
               <a:rPr lang="en-US" smtClean="0"/>
-              <a:t>12/2/2015</a:t>
+              <a:t>12/13/2015</a:t>
             </a:fld>
             <a:endParaRPr lang="en-US"/>
           </a:p>
@@ -2362,7 +2359,7 @@
           <a:p>
             <a:fld id="{4CF8387C-D209-4F33-9DBD-ECF527C44A24}" type="datetimeFigureOut">
               <a:rPr lang="en-US" smtClean="0"/>
-              <a:t>12/2/2015</a:t>
+              <a:t>12/13/2015</a:t>
             </a:fld>
             <a:endParaRPr lang="en-US"/>
           </a:p>
@@ -2457,7 +2454,7 @@
           <a:p>
             <a:fld id="{4CF8387C-D209-4F33-9DBD-ECF527C44A24}" type="datetimeFigureOut">
               <a:rPr lang="en-US" smtClean="0"/>
-              <a:t>12/2/2015</a:t>
+              <a:t>12/13/2015</a:t>
             </a:fld>
             <a:endParaRPr lang="en-US"/>
           </a:p>
@@ -2734,7 +2731,7 @@
           <a:p>
             <a:fld id="{4CF8387C-D209-4F33-9DBD-ECF527C44A24}" type="datetimeFigureOut">
               <a:rPr lang="en-US" smtClean="0"/>
-              <a:t>12/2/2015</a:t>
+              <a:t>12/13/2015</a:t>
             </a:fld>
             <a:endParaRPr lang="en-US"/>
           </a:p>
@@ -2987,7 +2984,7 @@
           <a:p>
             <a:fld id="{4CF8387C-D209-4F33-9DBD-ECF527C44A24}" type="datetimeFigureOut">
               <a:rPr lang="en-US" smtClean="0"/>
-              <a:t>12/2/2015</a:t>
+              <a:t>12/13/2015</a:t>
             </a:fld>
             <a:endParaRPr lang="en-US"/>
           </a:p>
@@ -3200,7 +3197,7 @@
           <a:p>
             <a:fld id="{4CF8387C-D209-4F33-9DBD-ECF527C44A24}" type="datetimeFigureOut">
               <a:rPr lang="en-US" smtClean="0"/>
-              <a:t>12/2/2015</a:t>
+              <a:t>12/13/2015</a:t>
             </a:fld>
             <a:endParaRPr lang="en-US"/>
           </a:p>
@@ -15153,11 +15150,7 @@
             </a:pPr>
             <a:r>
               <a:rPr lang="ru-RU" sz="2000" dirty="0" smtClean="0"/>
-              <a:t>Ключевые </a:t>
-            </a:r>
-            <a:r>
-              <a:rPr lang="ru-RU" sz="2000" dirty="0" smtClean="0"/>
-              <a:t>слова </a:t>
+              <a:t>Ключевые слова </a:t>
             </a:r>
             <a:r>
               <a:rPr lang="en-US" sz="2000" b="1" dirty="0" err="1" smtClean="0"/>
@@ -22215,476 +22208,6 @@
     <p:extLst>
       <p:ext uri="{BB962C8B-B14F-4D97-AF65-F5344CB8AC3E}">
         <p14:creationId xmlns:p14="http://schemas.microsoft.com/office/powerpoint/2010/main" val="816754338"/>
-      </p:ext>
-    </p:extLst>
-  </p:cSld>
-  <p:clrMapOvr>
-    <a:masterClrMapping/>
-  </p:clrMapOvr>
-  <p:timing>
-    <p:tnLst>
-      <p:par>
-        <p:cTn id="1" dur="indefinite" restart="never" nodeType="tmRoot"/>
-      </p:par>
-    </p:tnLst>
-  </p:timing>
-</p:sld>
-</file>
-
-<file path=ppt/slides/slide30.xml><?xml version="1.0" encoding="utf-8"?>
-<p:sld xmlns:a="http://schemas.openxmlformats.org/drawingml/2006/main" xmlns:r="http://schemas.openxmlformats.org/officeDocument/2006/relationships" xmlns:p="http://schemas.openxmlformats.org/presentationml/2006/main">
-  <p:cSld>
-    <p:spTree>
-      <p:nvGrpSpPr>
-        <p:cNvPr id="1" name=""/>
-        <p:cNvGrpSpPr/>
-        <p:nvPr/>
-      </p:nvGrpSpPr>
-      <p:grpSpPr>
-        <a:xfrm>
-          <a:off x="0" y="0"/>
-          <a:ext cx="0" cy="0"/>
-          <a:chOff x="0" y="0"/>
-          <a:chExt cx="0" cy="0"/>
-        </a:xfrm>
-      </p:grpSpPr>
-      <p:sp>
-        <p:nvSpPr>
-          <p:cNvPr id="2" name="Title 1"/>
-          <p:cNvSpPr>
-            <a:spLocks noGrp="1"/>
-          </p:cNvSpPr>
-          <p:nvPr>
-            <p:ph type="title"/>
-          </p:nvPr>
-        </p:nvSpPr>
-        <p:spPr>
-          <a:xfrm>
-            <a:off x="838200" y="365125"/>
-            <a:ext cx="10515600" cy="488315"/>
-          </a:xfrm>
-        </p:spPr>
-        <p:txBody>
-          <a:bodyPr>
-            <a:normAutofit fontScale="90000"/>
-          </a:bodyPr>
-          <a:lstStyle/>
-          <a:p>
-            <a:r>
-              <a:rPr lang="ru-RU" sz="3200" dirty="0" smtClean="0"/>
-              <a:t>Массивы</a:t>
-            </a:r>
-            <a:endParaRPr lang="en-US" sz="3200" dirty="0"/>
-          </a:p>
-        </p:txBody>
-      </p:sp>
-      <p:sp>
-        <p:nvSpPr>
-          <p:cNvPr id="3" name="Content Placeholder 2"/>
-          <p:cNvSpPr>
-            <a:spLocks noGrp="1"/>
-          </p:cNvSpPr>
-          <p:nvPr>
-            <p:ph idx="1"/>
-          </p:nvPr>
-        </p:nvSpPr>
-        <p:spPr>
-          <a:xfrm>
-            <a:off x="838200" y="923109"/>
-            <a:ext cx="10515600" cy="5253854"/>
-          </a:xfrm>
-        </p:spPr>
-        <p:txBody>
-          <a:bodyPr/>
-          <a:lstStyle/>
-          <a:p>
-            <a:endParaRPr lang="en-US" dirty="0"/>
-          </a:p>
-        </p:txBody>
-      </p:sp>
-    </p:spTree>
-    <p:extLst>
-      <p:ext uri="{BB962C8B-B14F-4D97-AF65-F5344CB8AC3E}">
-        <p14:creationId xmlns:p14="http://schemas.microsoft.com/office/powerpoint/2010/main" val="2363973863"/>
-      </p:ext>
-    </p:extLst>
-  </p:cSld>
-  <p:clrMapOvr>
-    <a:masterClrMapping/>
-  </p:clrMapOvr>
-  <p:timing>
-    <p:tnLst>
-      <p:par>
-        <p:cTn id="1" dur="indefinite" restart="never" nodeType="tmRoot"/>
-      </p:par>
-    </p:tnLst>
-  </p:timing>
-</p:sld>
-</file>
-
-<file path=ppt/slides/slide31.xml><?xml version="1.0" encoding="utf-8"?>
-<p:sld xmlns:a="http://schemas.openxmlformats.org/drawingml/2006/main" xmlns:r="http://schemas.openxmlformats.org/officeDocument/2006/relationships" xmlns:p="http://schemas.openxmlformats.org/presentationml/2006/main">
-  <p:cSld>
-    <p:spTree>
-      <p:nvGrpSpPr>
-        <p:cNvPr id="1" name=""/>
-        <p:cNvGrpSpPr/>
-        <p:nvPr/>
-      </p:nvGrpSpPr>
-      <p:grpSpPr>
-        <a:xfrm>
-          <a:off x="0" y="0"/>
-          <a:ext cx="0" cy="0"/>
-          <a:chOff x="0" y="0"/>
-          <a:chExt cx="0" cy="0"/>
-        </a:xfrm>
-      </p:grpSpPr>
-      <p:sp>
-        <p:nvSpPr>
-          <p:cNvPr id="2" name="Title 1"/>
-          <p:cNvSpPr>
-            <a:spLocks noGrp="1"/>
-          </p:cNvSpPr>
-          <p:nvPr>
-            <p:ph type="title"/>
-          </p:nvPr>
-        </p:nvSpPr>
-        <p:spPr>
-          <a:xfrm>
-            <a:off x="838200" y="365126"/>
-            <a:ext cx="10515600" cy="497024"/>
-          </a:xfrm>
-        </p:spPr>
-        <p:txBody>
-          <a:bodyPr>
-            <a:normAutofit fontScale="90000"/>
-          </a:bodyPr>
-          <a:lstStyle/>
-          <a:p>
-            <a:r>
-              <a:rPr lang="ru-RU" sz="3200" dirty="0" smtClean="0"/>
-              <a:t>Задания</a:t>
-            </a:r>
-            <a:endParaRPr lang="en-US" sz="3200" dirty="0"/>
-          </a:p>
-        </p:txBody>
-      </p:sp>
-      <p:sp>
-        <p:nvSpPr>
-          <p:cNvPr id="3" name="Content Placeholder 2"/>
-          <p:cNvSpPr>
-            <a:spLocks noGrp="1"/>
-          </p:cNvSpPr>
-          <p:nvPr>
-            <p:ph idx="1"/>
-          </p:nvPr>
-        </p:nvSpPr>
-        <p:spPr>
-          <a:xfrm>
-            <a:off x="838200" y="1254034"/>
-            <a:ext cx="10515600" cy="4922929"/>
-          </a:xfrm>
-        </p:spPr>
-        <p:txBody>
-          <a:bodyPr/>
-          <a:lstStyle/>
-          <a:p>
-            <a:pPr marL="457200" indent="-457200" algn="just">
-              <a:buAutoNum type="arabicPeriod"/>
-            </a:pPr>
-            <a:r>
-              <a:rPr lang="ru-RU" sz="2400" dirty="0" smtClean="0"/>
-              <a:t>Написать </a:t>
-            </a:r>
-            <a:r>
-              <a:rPr lang="ru-RU" sz="2400" dirty="0"/>
-              <a:t>программу, которая находит наибольший общий делитель двух целых положительных чисел</a:t>
-            </a:r>
-            <a:r>
-              <a:rPr lang="ru-RU" sz="2400" dirty="0" smtClean="0"/>
-              <a:t>.</a:t>
-            </a:r>
-            <a:endParaRPr lang="en-US" sz="2400" dirty="0" smtClean="0"/>
-          </a:p>
-          <a:p>
-            <a:pPr marL="457200" indent="-457200" algn="just">
-              <a:buFont typeface="Arial" panose="020B0604020202020204" pitchFamily="34" charset="0"/>
-              <a:buAutoNum type="arabicPeriod"/>
-            </a:pPr>
-            <a:r>
-              <a:rPr lang="ru-RU" sz="2400" dirty="0"/>
-              <a:t>Написать программу, которая находит сумму цифр произвольного целого числа</a:t>
-            </a:r>
-            <a:r>
-              <a:rPr lang="ru-RU" sz="2400" dirty="0" smtClean="0"/>
-              <a:t>.</a:t>
-            </a:r>
-            <a:endParaRPr lang="en-US" sz="2400" dirty="0" smtClean="0"/>
-          </a:p>
-          <a:p>
-            <a:pPr marL="457200" indent="-457200" algn="just">
-              <a:buFont typeface="Arial" panose="020B0604020202020204" pitchFamily="34" charset="0"/>
-              <a:buAutoNum type="arabicPeriod"/>
-            </a:pPr>
-            <a:r>
-              <a:rPr lang="ru-RU" sz="2400" dirty="0"/>
-              <a:t>Написать программу проверки того, что заданное число Х – простое (т.е. не делится без остатка ни на какие числа, кроме себя и 1). Число X задавать в коде программы.</a:t>
-            </a:r>
-          </a:p>
-          <a:p>
-            <a:pPr marL="457200" indent="-457200" algn="just">
-              <a:buFont typeface="Arial" panose="020B0604020202020204" pitchFamily="34" charset="0"/>
-              <a:buAutoNum type="arabicPeriod"/>
-            </a:pPr>
-            <a:r>
-              <a:rPr lang="ru-RU" sz="2400" dirty="0"/>
-              <a:t>Сосчитать сумму ряда 1!  - 2! +  3! – 4! + 5! - … + n! для заданного числа n &gt; 0. Чем шире диапазон возможных значений n, тем лучше. Число n задавать в коде программы</a:t>
-            </a:r>
-            <a:r>
-              <a:rPr lang="ru-RU" sz="2400" dirty="0" smtClean="0"/>
-              <a:t>.</a:t>
-            </a:r>
-            <a:endParaRPr lang="en-US" sz="2400" dirty="0" smtClean="0"/>
-          </a:p>
-          <a:p>
-            <a:pPr marL="457200" indent="-457200" algn="just">
-              <a:buFont typeface="Arial" panose="020B0604020202020204" pitchFamily="34" charset="0"/>
-              <a:buAutoNum type="arabicPeriod"/>
-            </a:pPr>
-            <a:r>
-              <a:rPr lang="ru-RU" sz="2400" dirty="0"/>
-              <a:t>Разместить в памяти массив из n элементов и заполнить его рядом </a:t>
-            </a:r>
-            <a:r>
-              <a:rPr lang="ru-RU" sz="2400" dirty="0" err="1"/>
-              <a:t>Фиббоначчи</a:t>
-            </a:r>
-            <a:r>
-              <a:rPr lang="ru-RU" sz="2400" dirty="0"/>
-              <a:t>: 1, 1, 2, 3, 5, 8, 13, 21, … В этом ряду каждое следующее число является суммой двух предыдущих.</a:t>
-            </a:r>
-          </a:p>
-          <a:p>
-            <a:pPr marL="457200" indent="-457200" algn="just">
-              <a:buFont typeface="Arial" panose="020B0604020202020204" pitchFamily="34" charset="0"/>
-              <a:buAutoNum type="arabicPeriod"/>
-            </a:pPr>
-            <a:endParaRPr lang="ru-RU" sz="2400" dirty="0"/>
-          </a:p>
-          <a:p>
-            <a:pPr marL="457200" indent="-457200" algn="just">
-              <a:buFont typeface="Arial" panose="020B0604020202020204" pitchFamily="34" charset="0"/>
-              <a:buAutoNum type="arabicPeriod"/>
-            </a:pPr>
-            <a:endParaRPr lang="ru-RU" sz="2400" dirty="0"/>
-          </a:p>
-          <a:p>
-            <a:pPr marL="457200" indent="-457200" algn="just">
-              <a:buAutoNum type="arabicPeriod"/>
-            </a:pPr>
-            <a:endParaRPr lang="ru-RU" sz="2400" dirty="0"/>
-          </a:p>
-          <a:p>
-            <a:pPr marL="0" indent="0" algn="just">
-              <a:buNone/>
-            </a:pPr>
-            <a:endParaRPr lang="en-US" dirty="0"/>
-          </a:p>
-        </p:txBody>
-      </p:sp>
-    </p:spTree>
-    <p:extLst>
-      <p:ext uri="{BB962C8B-B14F-4D97-AF65-F5344CB8AC3E}">
-        <p14:creationId xmlns:p14="http://schemas.microsoft.com/office/powerpoint/2010/main" val="4286504351"/>
-      </p:ext>
-    </p:extLst>
-  </p:cSld>
-  <p:clrMapOvr>
-    <a:masterClrMapping/>
-  </p:clrMapOvr>
-  <p:timing>
-    <p:tnLst>
-      <p:par>
-        <p:cTn id="1" dur="indefinite" restart="never" nodeType="tmRoot"/>
-      </p:par>
-    </p:tnLst>
-  </p:timing>
-</p:sld>
-</file>
-
-<file path=ppt/slides/slide32.xml><?xml version="1.0" encoding="utf-8"?>
-<p:sld xmlns:a="http://schemas.openxmlformats.org/drawingml/2006/main" xmlns:r="http://schemas.openxmlformats.org/officeDocument/2006/relationships" xmlns:p="http://schemas.openxmlformats.org/presentationml/2006/main">
-  <p:cSld>
-    <p:spTree>
-      <p:nvGrpSpPr>
-        <p:cNvPr id="1" name=""/>
-        <p:cNvGrpSpPr/>
-        <p:nvPr/>
-      </p:nvGrpSpPr>
-      <p:grpSpPr>
-        <a:xfrm>
-          <a:off x="0" y="0"/>
-          <a:ext cx="0" cy="0"/>
-          <a:chOff x="0" y="0"/>
-          <a:chExt cx="0" cy="0"/>
-        </a:xfrm>
-      </p:grpSpPr>
-      <p:sp>
-        <p:nvSpPr>
-          <p:cNvPr id="3" name="Content Placeholder 2"/>
-          <p:cNvSpPr>
-            <a:spLocks noGrp="1"/>
-          </p:cNvSpPr>
-          <p:nvPr>
-            <p:ph idx="1"/>
-          </p:nvPr>
-        </p:nvSpPr>
-        <p:spPr>
-          <a:xfrm>
-            <a:off x="838200" y="487680"/>
-            <a:ext cx="10515600" cy="5689283"/>
-          </a:xfrm>
-        </p:spPr>
-        <p:txBody>
-          <a:bodyPr/>
-          <a:lstStyle/>
-          <a:p>
-            <a:pPr marL="0" indent="0" algn="just">
-              <a:buNone/>
-            </a:pPr>
-            <a:r>
-              <a:rPr lang="en-US" sz="2400" dirty="0" smtClean="0"/>
-              <a:t>6. </a:t>
-            </a:r>
-            <a:r>
-              <a:rPr lang="ru-RU" sz="2400" dirty="0"/>
-              <a:t>Создать целый массив из n элементов и заполнить его простыми числами: 2, 3, 5, 7, 11, 13, 17, </a:t>
-            </a:r>
-            <a:r>
-              <a:rPr lang="ru-RU" sz="2400" dirty="0" smtClean="0"/>
-              <a:t>…</a:t>
-            </a:r>
-            <a:endParaRPr lang="en-US" sz="2400" dirty="0" smtClean="0"/>
-          </a:p>
-          <a:p>
-            <a:pPr marL="0" indent="0" algn="just">
-              <a:buNone/>
-            </a:pPr>
-            <a:r>
-              <a:rPr lang="en-US" sz="2400" dirty="0" smtClean="0"/>
-              <a:t>7. </a:t>
-            </a:r>
-            <a:r>
-              <a:rPr lang="ru-RU" sz="2400" dirty="0"/>
-              <a:t>С использованием массивов напечатать шахматную доску, где черная клетка представлена как символ B (</a:t>
-            </a:r>
-            <a:r>
-              <a:rPr lang="ru-RU" sz="2400" dirty="0" err="1"/>
-              <a:t>black</a:t>
-            </a:r>
-            <a:r>
-              <a:rPr lang="ru-RU" sz="2400" dirty="0"/>
-              <a:t>), а белая - W (</a:t>
-            </a:r>
-            <a:r>
-              <a:rPr lang="ru-RU" sz="2400" dirty="0" err="1"/>
-              <a:t>white</a:t>
-            </a:r>
-            <a:r>
-              <a:rPr lang="ru-RU" sz="2400" dirty="0" smtClean="0"/>
-              <a:t>).</a:t>
-            </a:r>
-            <a:endParaRPr lang="en-US" sz="2400" dirty="0" smtClean="0"/>
-          </a:p>
-          <a:p>
-            <a:pPr marL="0" indent="0" algn="just">
-              <a:buNone/>
-            </a:pPr>
-            <a:r>
-              <a:rPr lang="en-US" sz="2400" dirty="0" smtClean="0"/>
-              <a:t>8.</a:t>
-            </a:r>
-            <a:r>
-              <a:rPr lang="ru-RU" sz="2400" dirty="0"/>
-              <a:t> Создать "треугольный" массив из 10 строк и заполнить его биномиальными коэффициентами (треугольник Паскаля</a:t>
-            </a:r>
-            <a:r>
-              <a:rPr lang="ru-RU" sz="2400" dirty="0" smtClean="0"/>
-              <a:t>)</a:t>
-            </a:r>
-            <a:r>
-              <a:rPr lang="en-US" sz="2400" dirty="0" smtClean="0"/>
-              <a:t>.</a:t>
-            </a:r>
-          </a:p>
-          <a:p>
-            <a:pPr marL="0" indent="0" algn="just">
-              <a:buNone/>
-            </a:pPr>
-            <a:r>
-              <a:rPr lang="en-US" sz="2400" dirty="0" smtClean="0"/>
-              <a:t>9. </a:t>
-            </a:r>
-            <a:r>
-              <a:rPr lang="ru-RU" sz="2400" dirty="0" smtClean="0"/>
-              <a:t>Написать программу, которая бы выводила заданное в коде программы число в следующем формате</a:t>
-            </a:r>
-            <a:endParaRPr lang="ru-RU" sz="2400" dirty="0"/>
-          </a:p>
-          <a:p>
-            <a:pPr marL="0" indent="0" algn="just">
-              <a:buNone/>
-            </a:pPr>
-            <a:endParaRPr lang="ru-RU" dirty="0"/>
-          </a:p>
-          <a:p>
-            <a:pPr marL="0" indent="0" algn="just">
-              <a:buNone/>
-            </a:pPr>
-            <a:endParaRPr lang="ru-RU" dirty="0"/>
-          </a:p>
-          <a:p>
-            <a:pPr marL="0" indent="0" algn="just">
-              <a:buNone/>
-            </a:pPr>
-            <a:endParaRPr lang="en-US" dirty="0"/>
-          </a:p>
-        </p:txBody>
-      </p:sp>
-      <p:pic>
-        <p:nvPicPr>
-          <p:cNvPr id="4" name="Picture 3"/>
-          <p:cNvPicPr>
-            <a:picLocks noChangeAspect="1"/>
-          </p:cNvPicPr>
-          <p:nvPr/>
-        </p:nvPicPr>
-        <p:blipFill>
-          <a:blip r:embed="rId2">
-            <a:extLst>
-              <a:ext uri="{28A0092B-C50C-407E-A947-70E740481C1C}">
-                <a14:useLocalDpi xmlns:a14="http://schemas.microsoft.com/office/drawing/2010/main" val="0"/>
-              </a:ext>
-            </a:extLst>
-          </a:blip>
-          <a:stretch>
-            <a:fillRect/>
-          </a:stretch>
-        </p:blipFill>
-        <p:spPr>
-          <a:xfrm>
-            <a:off x="2784481" y="3722079"/>
-            <a:ext cx="5349326" cy="2296829"/>
-          </a:xfrm>
-          <a:prstGeom prst="rect">
-            <a:avLst/>
-          </a:prstGeom>
-        </p:spPr>
-      </p:pic>
-    </p:spTree>
-    <p:extLst>
-      <p:ext uri="{BB962C8B-B14F-4D97-AF65-F5344CB8AC3E}">
-        <p14:creationId xmlns:p14="http://schemas.microsoft.com/office/powerpoint/2010/main" val="3774529513"/>
       </p:ext>
     </p:extLst>
   </p:cSld>
